--- a/Twitter Powerpoint.pptx
+++ b/Twitter Powerpoint.pptx
@@ -646,7 +646,7 @@
           <a:p>
             <a:fld id="{1E01D54F-16AD-4B8B-B0FD-7F3DFE2D20E8}" type="datetimeFigureOut">
               <a:rPr lang="en-US" smtClean="0"/>
-              <a:t>2/4/2015</a:t>
+              <a:t>2/5/2015</a:t>
             </a:fld>
             <a:endParaRPr lang="en-US"/>
           </a:p>
@@ -942,7 +942,7 @@
           <a:p>
             <a:fld id="{1E01D54F-16AD-4B8B-B0FD-7F3DFE2D20E8}" type="datetimeFigureOut">
               <a:rPr lang="en-US" smtClean="0"/>
-              <a:t>2/4/2015</a:t>
+              <a:t>2/5/2015</a:t>
             </a:fld>
             <a:endParaRPr lang="en-US"/>
           </a:p>
@@ -1190,7 +1190,7 @@
           <a:p>
             <a:fld id="{1E01D54F-16AD-4B8B-B0FD-7F3DFE2D20E8}" type="datetimeFigureOut">
               <a:rPr lang="en-US" smtClean="0"/>
-              <a:t>2/4/2015</a:t>
+              <a:t>2/5/2015</a:t>
             </a:fld>
             <a:endParaRPr lang="en-US"/>
           </a:p>
@@ -1730,7 +1730,7 @@
           <a:p>
             <a:fld id="{1E01D54F-16AD-4B8B-B0FD-7F3DFE2D20E8}" type="datetimeFigureOut">
               <a:rPr lang="en-US" smtClean="0"/>
-              <a:t>2/4/2015</a:t>
+              <a:t>2/5/2015</a:t>
             </a:fld>
             <a:endParaRPr lang="en-US"/>
           </a:p>
@@ -1978,7 +1978,7 @@
           <a:p>
             <a:fld id="{1E01D54F-16AD-4B8B-B0FD-7F3DFE2D20E8}" type="datetimeFigureOut">
               <a:rPr lang="en-US" smtClean="0"/>
-              <a:t>2/4/2015</a:t>
+              <a:t>2/5/2015</a:t>
             </a:fld>
             <a:endParaRPr lang="en-US"/>
           </a:p>
@@ -2510,7 +2510,7 @@
           <a:p>
             <a:fld id="{1E01D54F-16AD-4B8B-B0FD-7F3DFE2D20E8}" type="datetimeFigureOut">
               <a:rPr lang="en-US" smtClean="0"/>
-              <a:t>2/4/2015</a:t>
+              <a:t>2/5/2015</a:t>
             </a:fld>
             <a:endParaRPr lang="en-US"/>
           </a:p>
@@ -2807,7 +2807,7 @@
           <a:p>
             <a:fld id="{1E01D54F-16AD-4B8B-B0FD-7F3DFE2D20E8}" type="datetimeFigureOut">
               <a:rPr lang="en-US" smtClean="0"/>
-              <a:t>2/4/2015</a:t>
+              <a:t>2/5/2015</a:t>
             </a:fld>
             <a:endParaRPr lang="en-US"/>
           </a:p>
@@ -2981,7 +2981,7 @@
           <a:p>
             <a:fld id="{1E01D54F-16AD-4B8B-B0FD-7F3DFE2D20E8}" type="datetimeFigureOut">
               <a:rPr lang="en-US" smtClean="0"/>
-              <a:t>2/4/2015</a:t>
+              <a:t>2/5/2015</a:t>
             </a:fld>
             <a:endParaRPr lang="en-US"/>
           </a:p>
@@ -3161,7 +3161,7 @@
           <a:p>
             <a:fld id="{1E01D54F-16AD-4B8B-B0FD-7F3DFE2D20E8}" type="datetimeFigureOut">
               <a:rPr lang="en-US" smtClean="0"/>
-              <a:t>2/4/2015</a:t>
+              <a:t>2/5/2015</a:t>
             </a:fld>
             <a:endParaRPr lang="en-US"/>
           </a:p>
@@ -3331,7 +3331,7 @@
           <a:p>
             <a:fld id="{1E01D54F-16AD-4B8B-B0FD-7F3DFE2D20E8}" type="datetimeFigureOut">
               <a:rPr lang="en-US" smtClean="0"/>
-              <a:t>2/4/2015</a:t>
+              <a:t>2/5/2015</a:t>
             </a:fld>
             <a:endParaRPr lang="en-US"/>
           </a:p>
@@ -3582,7 +3582,7 @@
           <a:p>
             <a:fld id="{1E01D54F-16AD-4B8B-B0FD-7F3DFE2D20E8}" type="datetimeFigureOut">
               <a:rPr lang="en-US" smtClean="0"/>
-              <a:t>2/4/2015</a:t>
+              <a:t>2/5/2015</a:t>
             </a:fld>
             <a:endParaRPr lang="en-US"/>
           </a:p>
@@ -3879,7 +3879,7 @@
           <a:p>
             <a:fld id="{1E01D54F-16AD-4B8B-B0FD-7F3DFE2D20E8}" type="datetimeFigureOut">
               <a:rPr lang="en-US" smtClean="0"/>
-              <a:t>2/4/2015</a:t>
+              <a:t>2/5/2015</a:t>
             </a:fld>
             <a:endParaRPr lang="en-US"/>
           </a:p>
@@ -4321,7 +4321,7 @@
           <a:p>
             <a:fld id="{1E01D54F-16AD-4B8B-B0FD-7F3DFE2D20E8}" type="datetimeFigureOut">
               <a:rPr lang="en-US" smtClean="0"/>
-              <a:t>2/4/2015</a:t>
+              <a:t>2/5/2015</a:t>
             </a:fld>
             <a:endParaRPr lang="en-US"/>
           </a:p>
@@ -4439,7 +4439,7 @@
           <a:p>
             <a:fld id="{1E01D54F-16AD-4B8B-B0FD-7F3DFE2D20E8}" type="datetimeFigureOut">
               <a:rPr lang="en-US" smtClean="0"/>
-              <a:t>2/4/2015</a:t>
+              <a:t>2/5/2015</a:t>
             </a:fld>
             <a:endParaRPr lang="en-US"/>
           </a:p>
@@ -4534,7 +4534,7 @@
           <a:p>
             <a:fld id="{1E01D54F-16AD-4B8B-B0FD-7F3DFE2D20E8}" type="datetimeFigureOut">
               <a:rPr lang="en-US" smtClean="0"/>
-              <a:t>2/4/2015</a:t>
+              <a:t>2/5/2015</a:t>
             </a:fld>
             <a:endParaRPr lang="en-US"/>
           </a:p>
@@ -4817,7 +4817,7 @@
           <a:p>
             <a:fld id="{1E01D54F-16AD-4B8B-B0FD-7F3DFE2D20E8}" type="datetimeFigureOut">
               <a:rPr lang="en-US" smtClean="0"/>
-              <a:t>2/4/2015</a:t>
+              <a:t>2/5/2015</a:t>
             </a:fld>
             <a:endParaRPr lang="en-US"/>
           </a:p>
@@ -5108,7 +5108,7 @@
           <a:p>
             <a:fld id="{1E01D54F-16AD-4B8B-B0FD-7F3DFE2D20E8}" type="datetimeFigureOut">
               <a:rPr lang="en-US" smtClean="0"/>
-              <a:t>2/4/2015</a:t>
+              <a:t>2/5/2015</a:t>
             </a:fld>
             <a:endParaRPr lang="en-US"/>
           </a:p>
@@ -5638,7 +5638,7 @@
           <a:p>
             <a:fld id="{1E01D54F-16AD-4B8B-B0FD-7F3DFE2D20E8}" type="datetimeFigureOut">
               <a:rPr lang="en-US" smtClean="0"/>
-              <a:t>2/4/2015</a:t>
+              <a:t>2/5/2015</a:t>
             </a:fld>
             <a:endParaRPr lang="en-US"/>
           </a:p>
@@ -6224,23 +6224,7 @@
           <a:p>
             <a:r>
               <a:rPr lang="en-US" dirty="0" smtClean="0"/>
-              <a:t>APIs </a:t>
-            </a:r>
-            <a:r>
-              <a:rPr lang="en-US" dirty="0" smtClean="0"/>
-              <a:t>for data </a:t>
-            </a:r>
-            <a:r>
-              <a:rPr lang="en-US" dirty="0" smtClean="0"/>
-              <a:t>mining and the impacts </a:t>
-            </a:r>
-            <a:r>
-              <a:rPr lang="en-US" dirty="0" smtClean="0"/>
-              <a:t>of technology on social, cultural, ethical, privacy, safety and </a:t>
-            </a:r>
-            <a:r>
-              <a:rPr lang="en-US" dirty="0" smtClean="0"/>
-              <a:t>regulations</a:t>
+              <a:t>APIs for data mining and the impacts of technology on social, cultural, ethical, privacy, safety and regulations</a:t>
             </a:r>
           </a:p>
           <a:p>
@@ -6361,11 +6345,7 @@
           <a:p>
             <a:r>
               <a:rPr lang="en-US" dirty="0" smtClean="0"/>
-              <a:t>Public </a:t>
-            </a:r>
-            <a:r>
-              <a:rPr lang="en-US" dirty="0" smtClean="0"/>
-              <a:t>streams – Everyone’s data</a:t>
+              <a:t>Public streams – Everyone’s data</a:t>
             </a:r>
           </a:p>
           <a:p>
@@ -6373,23 +6353,17 @@
               <a:rPr lang="en-US" dirty="0" smtClean="0"/>
               <a:t>Post requests for public streams allow for more filters</a:t>
             </a:r>
-            <a:endParaRPr lang="en-US" dirty="0" smtClean="0"/>
           </a:p>
           <a:p>
             <a:r>
               <a:rPr lang="en-US" dirty="0" smtClean="0"/>
               <a:t>User streams – One person’s data</a:t>
             </a:r>
-            <a:endParaRPr lang="en-US" dirty="0" smtClean="0"/>
           </a:p>
           <a:p>
             <a:r>
               <a:rPr lang="en-US" dirty="0" smtClean="0"/>
-              <a:t>Site </a:t>
-            </a:r>
-            <a:r>
-              <a:rPr lang="en-US" dirty="0" smtClean="0"/>
-              <a:t>streams – Multiple user streams</a:t>
+              <a:t>Site streams – Multiple user streams</a:t>
             </a:r>
           </a:p>
           <a:p>
@@ -7148,11 +7122,7 @@
           <a:p>
             <a:r>
               <a:rPr lang="en-US" dirty="0" smtClean="0"/>
-              <a:t>Metadata </a:t>
-            </a:r>
-            <a:r>
-              <a:rPr lang="en-US" dirty="0" smtClean="0"/>
-              <a:t>and Privacy – MIT Study</a:t>
+              <a:t>Metadata and Privacy – MIT Study</a:t>
             </a:r>
             <a:endParaRPr lang="en-US" dirty="0"/>
           </a:p>
@@ -7305,15 +7275,7 @@
             </a:r>
             <a:r>
               <a:rPr lang="en-US" dirty="0" smtClean="0"/>
-              <a:t>country </a:t>
-            </a:r>
-            <a:r>
-              <a:rPr lang="en-US" dirty="0" smtClean="0"/>
-              <a:t>analyzed </a:t>
-            </a:r>
-            <a:r>
-              <a:rPr lang="en-US" dirty="0" smtClean="0"/>
-              <a:t>information from  a </a:t>
+              <a:t>country analyzed information from  a </a:t>
             </a:r>
             <a:r>
               <a:rPr lang="en-US" dirty="0"/>
@@ -8808,11 +8770,7 @@
             </a:r>
             <a:r>
               <a:rPr lang="en-US" sz="1600" dirty="0" smtClean="0"/>
-              <a:t>Zappos.com and she </a:t>
-            </a:r>
-            <a:r>
-              <a:rPr lang="en-US" sz="1600" dirty="0" smtClean="0"/>
-              <a:t>takes a break from shopping to play </a:t>
+              <a:t>Zappos.com and she takes a break from shopping to play </a:t>
             </a:r>
             <a:r>
               <a:rPr lang="en-US" sz="1600" dirty="0"/>
@@ -8948,7 +8906,6 @@
               <a:rPr lang="en-US" sz="1600" dirty="0" smtClean="0"/>
               <a:t>.</a:t>
             </a:r>
-            <a:endParaRPr lang="en-US" sz="1600" dirty="0" smtClean="0"/>
           </a:p>
         </p:txBody>
       </p:sp>
@@ -9583,11 +9540,7 @@
           <a:p>
             <a:r>
               <a:rPr lang="en-US" dirty="0" smtClean="0"/>
-              <a:t>Works </a:t>
-            </a:r>
-            <a:r>
-              <a:rPr lang="en-US" dirty="0" smtClean="0"/>
-              <a:t>Cited</a:t>
+              <a:t>Works Cited</a:t>
             </a:r>
             <a:endParaRPr lang="en-US" dirty="0"/>
           </a:p>
@@ -10825,15 +10778,7 @@
           <a:p>
             <a:r>
               <a:rPr lang="en-US" dirty="0" smtClean="0"/>
-              <a:t>Twitter </a:t>
-            </a:r>
-            <a:r>
-              <a:rPr lang="en-US" dirty="0" smtClean="0"/>
-              <a:t>Search </a:t>
-            </a:r>
-            <a:r>
-              <a:rPr lang="en-US" dirty="0" smtClean="0"/>
-              <a:t>API to find tweets on “Earthquake” </a:t>
+              <a:t>Twitter Search API to find tweets on “Earthquake” </a:t>
             </a:r>
             <a:endParaRPr lang="en-US" dirty="0"/>
           </a:p>
@@ -13735,11 +13680,7 @@
           <a:p>
             <a:r>
               <a:rPr lang="en-US" dirty="0" smtClean="0"/>
-              <a:t>Interesting </a:t>
-            </a:r>
-            <a:r>
-              <a:rPr lang="en-US" dirty="0" smtClean="0"/>
-              <a:t>Websites </a:t>
+              <a:t>Interesting Websites </a:t>
             </a:r>
             <a:r>
               <a:rPr lang="en-US" dirty="0"/>
